--- a/class04/K-Means Ⅱ.pptx
+++ b/class04/K-Means Ⅱ.pptx
@@ -270,7 +270,7 @@
                 <a:latin typeface="Microsoft YaHei UI" panose="020B0503020204020204" pitchFamily="34" charset="-122"/>
                 <a:ea typeface="Microsoft YaHei UI" panose="020B0503020204020204" pitchFamily="34" charset="-122"/>
               </a:rPr>
-              <a:t>2021/10/11</a:t>
+              <a:t>2021/11/15</a:t>
             </a:fld>
             <a:endParaRPr lang="zh-CN" altLang="en-US">
               <a:latin typeface="Microsoft YaHei UI" panose="020B0503020204020204" pitchFamily="34" charset="-122"/>
@@ -468,7 +468,7 @@
           <a:p>
             <a:fld id="{BF4F81B9-E7B7-4E7B-B69F-89A4D3E29C71}" type="datetime1">
               <a:rPr lang="zh-CN" altLang="en-US" smtClean="0"/>
-              <a:t>2021/10/11</a:t>
+              <a:t>2021/11/15</a:t>
             </a:fld>
             <a:endParaRPr lang="zh-CN" altLang="en-US"/>
           </a:p>
@@ -1551,7 +1551,7 @@
           <a:p>
             <a:fld id="{E458886E-27D1-4675-806E-C55C22DB0345}" type="datetime1">
               <a:rPr lang="zh-CN" altLang="en-US" smtClean="0"/>
-              <a:t>2021/10/11</a:t>
+              <a:t>2021/11/15</a:t>
             </a:fld>
             <a:endParaRPr lang="zh-CN" altLang="en-US"/>
           </a:p>
@@ -1943,7 +1943,7 @@
           <a:p>
             <a:fld id="{F8E8AF2B-C74D-4992-90FD-D4BD80A93AAE}" type="datetime1">
               <a:rPr lang="zh-CN" altLang="en-US" smtClean="0"/>
-              <a:t>2021/10/11</a:t>
+              <a:t>2021/11/15</a:t>
             </a:fld>
             <a:endParaRPr lang="zh-CN" altLang="en-US"/>
           </a:p>
@@ -2528,7 +2528,7 @@
           <a:p>
             <a:fld id="{DB168A20-771C-438D-BB7A-9755CC93A15E}" type="datetime1">
               <a:rPr lang="zh-CN" altLang="en-US" smtClean="0"/>
-              <a:t>2021/10/11</a:t>
+              <a:t>2021/11/15</a:t>
             </a:fld>
             <a:endParaRPr lang="zh-CN" altLang="en-US"/>
           </a:p>
@@ -2903,7 +2903,7 @@
           <a:p>
             <a:fld id="{85204767-B8F5-4999-A975-843AC0C1B6E1}" type="datetime1">
               <a:rPr lang="zh-CN" altLang="en-US" smtClean="0"/>
-              <a:t>2021/10/11</a:t>
+              <a:t>2021/11/15</a:t>
             </a:fld>
             <a:endParaRPr lang="zh-CN" altLang="en-US"/>
           </a:p>
@@ -3293,7 +3293,7 @@
           <a:p>
             <a:fld id="{D0D94A69-6EFD-4CC1-853A-CA16482D9B01}" type="datetime1">
               <a:rPr lang="zh-CN" altLang="en-US" smtClean="0"/>
-              <a:t>2021/10/11</a:t>
+              <a:t>2021/11/15</a:t>
             </a:fld>
             <a:endParaRPr lang="zh-CN" altLang="en-US"/>
           </a:p>
@@ -3480,7 +3480,7 @@
           <a:p>
             <a:fld id="{00E1F316-999D-4B05-AFD8-C2357A75E539}" type="datetime1">
               <a:rPr lang="zh-CN" altLang="en-US" smtClean="0"/>
-              <a:t>2021/10/11</a:t>
+              <a:t>2021/11/15</a:t>
             </a:fld>
             <a:endParaRPr lang="zh-CN" altLang="en-US"/>
           </a:p>
@@ -3979,7 +3979,7 @@
           <a:p>
             <a:fld id="{19C9E7F7-15CE-460C-9F89-70CE601B8305}" type="datetime1">
               <a:rPr lang="zh-CN" altLang="en-US" smtClean="0"/>
-              <a:t>2021/10/11</a:t>
+              <a:t>2021/11/15</a:t>
             </a:fld>
             <a:endParaRPr lang="zh-CN" altLang="en-US"/>
           </a:p>
@@ -4494,7 +4494,7 @@
           <a:p>
             <a:fld id="{DA7C66F6-A859-4203-956E-7EAD13C02C76}" type="datetime1">
               <a:rPr lang="zh-CN" altLang="en-US" smtClean="0"/>
-              <a:t>2021/10/11</a:t>
+              <a:t>2021/11/15</a:t>
             </a:fld>
             <a:endParaRPr lang="zh-CN" altLang="en-US"/>
           </a:p>
@@ -4714,7 +4714,7 @@
           <a:p>
             <a:fld id="{37BA9A28-992F-422F-95C5-8635C0FD683B}" type="datetime1">
               <a:rPr lang="zh-CN" altLang="en-US" smtClean="0"/>
-              <a:t>2021/10/11</a:t>
+              <a:t>2021/11/15</a:t>
             </a:fld>
             <a:endParaRPr lang="zh-CN" altLang="en-US"/>
           </a:p>
@@ -5402,7 +5402,7 @@
           <a:p>
             <a:fld id="{2EE433F9-04F3-4E93-99F0-E3AA2049B63F}" type="datetime1">
               <a:rPr lang="zh-CN" altLang="en-US" smtClean="0"/>
-              <a:t>2021/10/11</a:t>
+              <a:t>2021/11/15</a:t>
             </a:fld>
             <a:endParaRPr lang="zh-CN" altLang="en-US"/>
           </a:p>
@@ -5566,7 +5566,7 @@
           <a:p>
             <a:fld id="{BC48AE5B-5430-42D5-9004-91B01CE11C23}" type="datetime1">
               <a:rPr lang="zh-CN" altLang="en-US" smtClean="0"/>
-              <a:t>2021/10/11</a:t>
+              <a:t>2021/11/15</a:t>
             </a:fld>
             <a:endParaRPr lang="zh-CN" altLang="en-US"/>
           </a:p>
@@ -5745,7 +5745,7 @@
           <a:p>
             <a:fld id="{4A0885B7-5398-44D7-9040-68160B317326}" type="datetime1">
               <a:rPr lang="zh-CN" altLang="en-US" smtClean="0"/>
-              <a:t>2021/10/11</a:t>
+              <a:t>2021/11/15</a:t>
             </a:fld>
             <a:endParaRPr lang="zh-CN" altLang="en-US"/>
           </a:p>
@@ -6031,7 +6031,7 @@
               <a:rPr lang="zh-CN" altLang="en-US" smtClean="0">
                 <a:ea typeface="Microsoft YaHei UI" panose="020B0503020204020204" pitchFamily="34" charset="-122"/>
               </a:rPr>
-              <a:t>2021/10/11</a:t>
+              <a:t>2021/11/15</a:t>
             </a:fld>
             <a:endParaRPr lang="zh-CN" altLang="en-US" dirty="0">
               <a:ea typeface="Microsoft YaHei UI" panose="020B0503020204020204" pitchFamily="34" charset="-122"/>
@@ -6707,7 +6707,16 @@
                 </a:solidFill>
                 <a:ea typeface="Microsoft YaHei UI" panose="020B0503020204020204" pitchFamily="34" charset="-122"/>
               </a:rPr>
-              <a:t>K-Means Ⅱ</a:t>
+              <a:t>K-</a:t>
+            </a:r>
+            <a:r>
+              <a:rPr lang="en-US" altLang="zh-CN" sz="4800" dirty="0" err="1">
+                <a:solidFill>
+                  <a:srgbClr val="FFFFFF"/>
+                </a:solidFill>
+                <a:ea typeface="Microsoft YaHei UI" panose="020B0503020204020204" pitchFamily="34" charset="-122"/>
+              </a:rPr>
+              <a:t>MeansⅢ</a:t>
             </a:r>
             <a:endParaRPr lang="zh-CN" altLang="en-US" sz="4800" dirty="0">
               <a:solidFill>
@@ -6953,27 +6962,26 @@
                 <a:effectLst/>
                 <a:latin typeface="PingFang SC"/>
               </a:rPr>
-              <a:t>  K-means </a:t>
-            </a:r>
-            <a:r>
-              <a:rPr lang="ru-RU" altLang="zh-CN" b="1" i="0" dirty="0">
+              <a:t>  </a:t>
+            </a:r>
+            <a:r>
+              <a:rPr lang="en-US" altLang="zh-CN" b="1" i="0">
                 <a:solidFill>
                   <a:srgbClr val="4F4F4F"/>
                 </a:solidFill>
                 <a:effectLst/>
                 <a:latin typeface="PingFang SC"/>
               </a:rPr>
-              <a:t>шаг</a:t>
-            </a:r>
-            <a:r>
-              <a:rPr lang="en-US" altLang="zh-CN" b="1" i="0" dirty="0">
+              <a:t>K-means </a:t>
+            </a:r>
+            <a:r>
+              <a:rPr lang="en-US" altLang="zh-CN" b="1">
                 <a:solidFill>
                   <a:srgbClr val="4F4F4F"/>
                 </a:solidFill>
-                <a:effectLst/>
                 <a:latin typeface="PingFang SC"/>
               </a:rPr>
-              <a:t>:</a:t>
+              <a:t>OpenMP</a:t>
             </a:r>
             <a:endParaRPr lang="zh-CN" altLang="ru-RU" dirty="0">
               <a:ea typeface="Microsoft YaHei UI" panose="020B0503020204020204" pitchFamily="34" charset="-122"/>
@@ -8909,6 +8917,24 @@
 </file>
 
 <file path=customXml/item1.xml><?xml version="1.0" encoding="utf-8"?>
+<p:properties xmlns:p="http://schemas.microsoft.com/office/2006/metadata/properties" xmlns:xsi="http://www.w3.org/2001/XMLSchema-instance" xmlns:pc="http://schemas.microsoft.com/office/infopath/2007/PartnerControls">
+  <documentManagement>
+    <Status xmlns="71af3243-3dd4-4a8d-8c0d-dd76da1f02a5">Not started</Status>
+    <MediaServiceKeyPoints xmlns="71af3243-3dd4-4a8d-8c0d-dd76da1f02a5" xsi:nil="true"/>
+  </documentManagement>
+</p:properties>
+</file>
+
+<file path=customXml/item2.xml><?xml version="1.0" encoding="utf-8"?>
+<?mso-contentType ?>
+<FormTemplates xmlns="http://schemas.microsoft.com/sharepoint/v3/contenttype/forms">
+  <Display>DocumentLibraryForm</Display>
+  <Edit>DocumentLibraryForm</Edit>
+  <New>DocumentLibraryForm</New>
+</FormTemplates>
+</file>
+
+<file path=customXml/item3.xml><?xml version="1.0" encoding="utf-8"?>
 <ct:contentTypeSchema xmlns:ct="http://schemas.microsoft.com/office/2006/metadata/contentType" xmlns:ma="http://schemas.microsoft.com/office/2006/metadata/properties/metaAttributes" ct:_="" ma:_="" ma:contentTypeName="Document" ma:contentTypeID="0x01010079F111ED35F8CC479449609E8A0923A6" ma:contentTypeVersion="12" ma:contentTypeDescription="Create a new document." ma:contentTypeScope="" ma:versionID="fa6e671f1cd7e4d96ff9652be322dd5e">
   <xsd:schema xmlns:xsd="http://www.w3.org/2001/XMLSchema" xmlns:xs="http://www.w3.org/2001/XMLSchema" xmlns:p="http://schemas.microsoft.com/office/2006/metadata/properties" xmlns:ns2="71af3243-3dd4-4a8d-8c0d-dd76da1f02a5" xmlns:ns3="16c05727-aa75-4e4a-9b5f-8a80a1165891" targetNamespace="http://schemas.microsoft.com/office/2006/metadata/properties" ma:root="true" ma:fieldsID="4e2496f70b101db0b8013f30a071bbf7" ns2:_="" ns3:_="">
     <xsd:import namespace="71af3243-3dd4-4a8d-8c0d-dd76da1f02a5"/>
@@ -9129,25 +9155,25 @@
 </ct:contentTypeSchema>
 </file>
 
-<file path=customXml/item2.xml><?xml version="1.0" encoding="utf-8"?>
-<?mso-contentType ?>
-<FormTemplates xmlns="http://schemas.microsoft.com/sharepoint/v3/contenttype/forms">
-  <Display>DocumentLibraryForm</Display>
-  <Edit>DocumentLibraryForm</Edit>
-  <New>DocumentLibraryForm</New>
-</FormTemplates>
+<file path=customXml/itemProps1.xml><?xml version="1.0" encoding="utf-8"?>
+<ds:datastoreItem xmlns:ds="http://schemas.openxmlformats.org/officeDocument/2006/customXml" ds:itemID="{318F16D9-EB65-4F11-9CD9-58377B437CF8}">
+  <ds:schemaRefs>
+    <ds:schemaRef ds:uri="http://schemas.microsoft.com/office/2006/metadata/properties"/>
+    <ds:schemaRef ds:uri="http://schemas.microsoft.com/office/infopath/2007/PartnerControls"/>
+    <ds:schemaRef ds:uri="71af3243-3dd4-4a8d-8c0d-dd76da1f02a5"/>
+  </ds:schemaRefs>
+</ds:datastoreItem>
 </file>
 
-<file path=customXml/item3.xml><?xml version="1.0" encoding="utf-8"?>
-<p:properties xmlns:p="http://schemas.microsoft.com/office/2006/metadata/properties" xmlns:xsi="http://www.w3.org/2001/XMLSchema-instance" xmlns:pc="http://schemas.microsoft.com/office/infopath/2007/PartnerControls">
-  <documentManagement>
-    <Status xmlns="71af3243-3dd4-4a8d-8c0d-dd76da1f02a5">Not started</Status>
-    <MediaServiceKeyPoints xmlns="71af3243-3dd4-4a8d-8c0d-dd76da1f02a5" xsi:nil="true"/>
-  </documentManagement>
-</p:properties>
+<file path=customXml/itemProps2.xml><?xml version="1.0" encoding="utf-8"?>
+<ds:datastoreItem xmlns:ds="http://schemas.openxmlformats.org/officeDocument/2006/customXml" ds:itemID="{9C65060F-1094-41F3-95E3-03DA10677CAD}">
+  <ds:schemaRefs>
+    <ds:schemaRef ds:uri="http://schemas.microsoft.com/sharepoint/v3/contenttype/forms"/>
+  </ds:schemaRefs>
+</ds:datastoreItem>
 </file>
 
-<file path=customXml/itemProps1.xml><?xml version="1.0" encoding="utf-8"?>
+<file path=customXml/itemProps3.xml><?xml version="1.0" encoding="utf-8"?>
 <ds:datastoreItem xmlns:ds="http://schemas.openxmlformats.org/officeDocument/2006/customXml" ds:itemID="{1A09386F-CDB5-4CE9-AE70-AE4E53A63350}">
   <ds:schemaRefs>
     <ds:schemaRef ds:uri="http://schemas.microsoft.com/office/2006/metadata/contentType"/>
@@ -9164,22 +9190,4 @@
     <ds:schemaRef ds:uri="http://schemas.microsoft.com/internal/obd"/>
   </ds:schemaRefs>
 </ds:datastoreItem>
-</file>
-
-<file path=customXml/itemProps2.xml><?xml version="1.0" encoding="utf-8"?>
-<ds:datastoreItem xmlns:ds="http://schemas.openxmlformats.org/officeDocument/2006/customXml" ds:itemID="{9C65060F-1094-41F3-95E3-03DA10677CAD}">
-  <ds:schemaRefs>
-    <ds:schemaRef ds:uri="http://schemas.microsoft.com/sharepoint/v3/contenttype/forms"/>
-  </ds:schemaRefs>
-</ds:datastoreItem>
-</file>
-
-<file path=customXml/itemProps3.xml><?xml version="1.0" encoding="utf-8"?>
-<ds:datastoreItem xmlns:ds="http://schemas.openxmlformats.org/officeDocument/2006/customXml" ds:itemID="{318F16D9-EB65-4F11-9CD9-58377B437CF8}">
-  <ds:schemaRefs>
-    <ds:schemaRef ds:uri="http://schemas.microsoft.com/office/2006/metadata/properties"/>
-    <ds:schemaRef ds:uri="http://schemas.microsoft.com/office/infopath/2007/PartnerControls"/>
-    <ds:schemaRef ds:uri="71af3243-3dd4-4a8d-8c0d-dd76da1f02a5"/>
-  </ds:schemaRefs>
-</ds:datastoreItem>
 </file>